--- a/admin/intro_slides/hackathon_intro_slides.pptx
+++ b/admin/intro_slides/hackathon_intro_slides.pptx
@@ -17,6 +17,7 @@
     <p:sldId id="262" r:id="rId14"/>
     <p:sldId id="263" r:id="rId15"/>
     <p:sldId id="264" r:id="rId16"/>
+    <p:sldId id="265" r:id="rId17"/>
   </p:sldIdLst>
   <p:sldSz cx="13004800" cy="9753600"/>
   <p:notesSz cx="6858000" cy="9144000"/>
@@ -3116,6 +3117,56 @@
 </p:sld>
 </file>
 
+<file path=ppt/slides/slide10.xml><?xml version="1.0" encoding="utf-8"?>
+<p:sld xmlns:a="http://schemas.openxmlformats.org/drawingml/2006/main" xmlns:r="http://schemas.openxmlformats.org/officeDocument/2006/relationships" xmlns:p="http://schemas.openxmlformats.org/presentationml/2006/main" xmlns:m="http://schemas.openxmlformats.org/officeDocument/2006/math" xmlns:a14="http://schemas.microsoft.com/office/drawing/2010/main" showMasterSp="1" showMasterPhAnim="1">
+  <p:cSld>
+    <p:spTree>
+      <p:nvGrpSpPr>
+        <p:cNvPr id="1" name=""/>
+        <p:cNvGrpSpPr/>
+        <p:nvPr/>
+      </p:nvGrpSpPr>
+      <p:grpSpPr>
+        <a:xfrm>
+          <a:off x="0" y="0"/>
+          <a:ext cx="0" cy="0"/>
+          <a:chOff x="0" y="0"/>
+          <a:chExt cx="0" cy="0"/>
+        </a:xfrm>
+      </p:grpSpPr>
+      <p:sp>
+        <p:nvSpPr>
+          <p:cNvPr id="154" name="Questions?"/>
+          <p:cNvSpPr txBox="1"/>
+          <p:nvPr>
+            <p:ph type="title"/>
+          </p:nvPr>
+        </p:nvSpPr>
+        <p:spPr>
+          <a:prstGeom prst="rect">
+            <a:avLst/>
+          </a:prstGeom>
+        </p:spPr>
+        <p:txBody>
+          <a:bodyPr/>
+          <a:lstStyle/>
+          <a:p>
+            <a:pPr/>
+            <a:r>
+              <a:t>Questions?</a:t>
+            </a:r>
+          </a:p>
+        </p:txBody>
+      </p:sp>
+    </p:spTree>
+  </p:cSld>
+  <p:clrMapOvr>
+    <a:masterClrMapping/>
+  </p:clrMapOvr>
+  <p:transition xmlns:p14="http://schemas.microsoft.com/office/powerpoint/2010/main" spd="med" advClick="1"/>
+</p:sld>
+</file>
+
 <file path=ppt/slides/slide2.xml><?xml version="1.0" encoding="utf-8"?>
 <p:sld xmlns:a="http://schemas.openxmlformats.org/drawingml/2006/main" xmlns:r="http://schemas.openxmlformats.org/officeDocument/2006/relationships" xmlns:p="http://schemas.openxmlformats.org/presentationml/2006/main" xmlns:m="http://schemas.openxmlformats.org/officeDocument/2006/math" xmlns:a14="http://schemas.microsoft.com/office/drawing/2010/main" showMasterSp="1" showMasterPhAnim="1">
   <p:cSld>
@@ -3995,7 +4046,7 @@
       </p:grpSpPr>
       <p:sp>
         <p:nvSpPr>
-          <p:cNvPr id="147" name="Questions?"/>
+          <p:cNvPr id="147" name="Thanks to our Sponsors!"/>
           <p:cNvSpPr txBox="1"/>
           <p:nvPr>
             <p:ph type="title"/>
@@ -4008,11 +4059,167 @@
         </p:spPr>
         <p:txBody>
           <a:bodyPr/>
+          <a:lstStyle>
+            <a:lvl1pPr defTabSz="554990">
+              <a:defRPr sz="7600"/>
+            </a:lvl1pPr>
+          </a:lstStyle>
+          <a:p>
+            <a:pPr/>
+            <a:r>
+              <a:t>Thanks to our Sponsors!</a:t>
+            </a:r>
+          </a:p>
+        </p:txBody>
+      </p:sp>
+      <p:pic>
+        <p:nvPicPr>
+          <p:cNvPr id="148" name="Image" descr="Image"/>
+          <p:cNvPicPr>
+            <a:picLocks noChangeAspect="1"/>
+          </p:cNvPicPr>
+          <p:nvPr/>
+        </p:nvPicPr>
+        <p:blipFill>
+          <a:blip r:embed="rId2">
+            <a:extLst/>
+          </a:blip>
+          <a:stretch>
+            <a:fillRect/>
+          </a:stretch>
+        </p:blipFill>
+        <p:spPr>
+          <a:xfrm>
+            <a:off x="1085850" y="3718766"/>
+            <a:ext cx="4447468" cy="1574191"/>
+          </a:xfrm>
+          <a:prstGeom prst="rect">
+            <a:avLst/>
+          </a:prstGeom>
+          <a:ln w="12700">
+            <a:miter lim="400000"/>
+          </a:ln>
+        </p:spPr>
+      </p:pic>
+      <p:pic>
+        <p:nvPicPr>
+          <p:cNvPr id="149" name="RConsortium_Horizontal_Pantone.png" descr="RConsortium_Horizontal_Pantone.png"/>
+          <p:cNvPicPr>
+            <a:picLocks noChangeAspect="1"/>
+          </p:cNvPicPr>
+          <p:nvPr/>
+        </p:nvPicPr>
+        <p:blipFill>
+          <a:blip r:embed="rId3">
+            <a:extLst/>
+          </a:blip>
+          <a:stretch>
+            <a:fillRect/>
+          </a:stretch>
+        </p:blipFill>
+        <p:spPr>
+          <a:xfrm>
+            <a:off x="1153955" y="6344723"/>
+            <a:ext cx="5916671" cy="1332342"/>
+          </a:xfrm>
+          <a:prstGeom prst="rect">
+            <a:avLst/>
+          </a:prstGeom>
+          <a:ln w="12700">
+            <a:miter lim="400000"/>
+          </a:ln>
+        </p:spPr>
+      </p:pic>
+      <p:pic>
+        <p:nvPicPr>
+          <p:cNvPr id="150" name="Logo-Sponsors-1.png" descr="Logo-Sponsors-1.png"/>
+          <p:cNvPicPr>
+            <a:picLocks noChangeAspect="1"/>
+          </p:cNvPicPr>
+          <p:nvPr/>
+        </p:nvPicPr>
+        <p:blipFill>
+          <a:blip r:embed="rId4">
+            <a:extLst/>
+          </a:blip>
+          <a:stretch>
+            <a:fillRect/>
+          </a:stretch>
+        </p:blipFill>
+        <p:spPr>
+          <a:xfrm>
+            <a:off x="6676925" y="3590805"/>
+            <a:ext cx="5916671" cy="1830113"/>
+          </a:xfrm>
+          <a:prstGeom prst="rect">
+            <a:avLst/>
+          </a:prstGeom>
+          <a:ln w="12700">
+            <a:miter lim="400000"/>
+          </a:ln>
+        </p:spPr>
+      </p:pic>
+      <p:pic>
+        <p:nvPicPr>
+          <p:cNvPr id="151" name="RStudio-Logo-Blue-Gray-250.png" descr="RStudio-Logo-Blue-Gray-250.png"/>
+          <p:cNvPicPr>
+            <a:picLocks noChangeAspect="1"/>
+          </p:cNvPicPr>
+          <p:nvPr/>
+        </p:nvPicPr>
+        <p:blipFill>
+          <a:blip r:embed="rId5">
+            <a:extLst/>
+          </a:blip>
+          <a:stretch>
+            <a:fillRect/>
+          </a:stretch>
+        </p:blipFill>
+        <p:spPr>
+          <a:xfrm>
+            <a:off x="8208069" y="6036521"/>
+            <a:ext cx="4049361" cy="1425376"/>
+          </a:xfrm>
+          <a:prstGeom prst="rect">
+            <a:avLst/>
+          </a:prstGeom>
+          <a:ln w="12700">
+            <a:miter lim="400000"/>
+          </a:ln>
+        </p:spPr>
+      </p:pic>
+      <p:sp>
+        <p:nvSpPr>
+          <p:cNvPr id="152" name="Data Science Go"/>
+          <p:cNvSpPr txBox="1"/>
+          <p:nvPr/>
+        </p:nvSpPr>
+        <p:spPr>
+          <a:xfrm>
+            <a:off x="8762288" y="4866013"/>
+            <a:ext cx="2541424" cy="461060"/>
+          </a:xfrm>
+          <a:prstGeom prst="rect">
+            <a:avLst/>
+          </a:prstGeom>
+          <a:ln w="12700">
+            <a:miter lim="400000"/>
+          </a:ln>
+          <a:extLst>
+            <a:ext uri="{C572A759-6A51-4108-AA02-DFA0A04FC94B}">
+              <ma14:wrappingTextBoxFlag xmlns:ma14="http://schemas.microsoft.com/office/mac/drawingml/2011/main" val="1"/>
+            </a:ext>
+          </a:extLst>
+        </p:spPr>
+        <p:txBody>
+          <a:bodyPr wrap="none" lIns="50800" tIns="50800" rIns="50800" bIns="50800" anchor="ctr">
+            <a:spAutoFit/>
+          </a:bodyPr>
           <a:lstStyle/>
           <a:p>
             <a:pPr/>
             <a:r>
-              <a:t>Questions?</a:t>
+              <a:t>Data Science Go</a:t>
             </a:r>
           </a:p>
         </p:txBody>

--- a/admin/intro_slides/hackathon_intro_slides.pptx
+++ b/admin/intro_slides/hackathon_intro_slides.pptx
@@ -18,6 +18,9 @@
     <p:sldId id="263" r:id="rId15"/>
     <p:sldId id="264" r:id="rId16"/>
     <p:sldId id="265" r:id="rId17"/>
+    <p:sldId id="266" r:id="rId18"/>
+    <p:sldId id="267" r:id="rId19"/>
+    <p:sldId id="268" r:id="rId20"/>
   </p:sldIdLst>
   <p:sldSz cx="13004800" cy="9753600"/>
   <p:notesSz cx="6858000" cy="9144000"/>
@@ -3097,8 +3100,8 @@
         </p:blipFill>
         <p:spPr>
           <a:xfrm>
-            <a:off x="3416872" y="5517247"/>
-            <a:ext cx="6171056" cy="3683556"/>
+            <a:off x="3736481" y="5314047"/>
+            <a:ext cx="5531838" cy="3302001"/>
           </a:xfrm>
           <a:prstGeom prst="rect">
             <a:avLst/>
@@ -3108,6 +3111,42 @@
           </a:ln>
         </p:spPr>
       </p:pic>
+      <p:sp>
+        <p:nvSpPr>
+          <p:cNvPr id="122" name="Twitter: oc_rug"/>
+          <p:cNvSpPr txBox="1"/>
+          <p:nvPr/>
+        </p:nvSpPr>
+        <p:spPr>
+          <a:xfrm>
+            <a:off x="5367324" y="8888195"/>
+            <a:ext cx="2270152" cy="461060"/>
+          </a:xfrm>
+          <a:prstGeom prst="rect">
+            <a:avLst/>
+          </a:prstGeom>
+          <a:ln w="12700">
+            <a:miter lim="400000"/>
+          </a:ln>
+          <a:extLst>
+            <a:ext uri="{C572A759-6A51-4108-AA02-DFA0A04FC94B}">
+              <ma14:wrappingTextBoxFlag xmlns:ma14="http://schemas.microsoft.com/office/mac/drawingml/2011/main" val="1"/>
+            </a:ext>
+          </a:extLst>
+        </p:spPr>
+        <p:txBody>
+          <a:bodyPr wrap="none" lIns="50800" tIns="50800" rIns="50800" bIns="50800" anchor="ctr">
+            <a:spAutoFit/>
+          </a:bodyPr>
+          <a:lstStyle/>
+          <a:p>
+            <a:pPr/>
+            <a:r>
+              <a:t>Twitter: oc_rug</a:t>
+            </a:r>
+          </a:p>
+        </p:txBody>
+      </p:sp>
     </p:spTree>
   </p:cSld>
   <p:clrMapOvr>
@@ -3136,7 +3175,7 @@
       </p:grpSpPr>
       <p:sp>
         <p:nvSpPr>
-          <p:cNvPr id="154" name="Questions?"/>
+          <p:cNvPr id="153" name="Logistics"/>
           <p:cNvSpPr txBox="1"/>
           <p:nvPr>
             <p:ph type="title"/>
@@ -3153,7 +3192,521 @@
           <a:p>
             <a:pPr/>
             <a:r>
+              <a:t>Logistics</a:t>
+            </a:r>
+          </a:p>
+        </p:txBody>
+      </p:sp>
+      <p:sp>
+        <p:nvSpPr>
+          <p:cNvPr id="154" name="Pull the latest Hackathon GIT repo before starting.…"/>
+          <p:cNvSpPr txBox="1"/>
+          <p:nvPr>
+            <p:ph type="body" idx="1"/>
+          </p:nvPr>
+        </p:nvSpPr>
+        <p:spPr>
+          <a:prstGeom prst="rect">
+            <a:avLst/>
+          </a:prstGeom>
+        </p:spPr>
+        <p:txBody>
+          <a:bodyPr/>
+          <a:lstStyle/>
+          <a:p>
+            <a:pPr marL="351155" indent="-351155" defTabSz="461518">
+              <a:spcBef>
+                <a:spcPts val="3300"/>
+              </a:spcBef>
+              <a:defRPr sz="2528"/>
+            </a:pPr>
+            <a:r>
+              <a:t>Pull the latest Hackathon GIT repo before starting.</a:t>
+            </a:r>
+          </a:p>
+          <a:p>
+            <a:pPr marL="351155" indent="-351155" defTabSz="461518">
+              <a:spcBef>
+                <a:spcPts val="3300"/>
+              </a:spcBef>
+              <a:defRPr sz="2528"/>
+            </a:pPr>
+            <a:r>
+              <a:t>There is a ton of information about the Hackathon.  Check out the README</a:t>
+            </a:r>
+          </a:p>
+          <a:p>
+            <a:pPr marL="351155" indent="-351155" defTabSz="461518">
+              <a:spcBef>
+                <a:spcPts val="3300"/>
+              </a:spcBef>
+              <a:defRPr sz="2528"/>
+            </a:pPr>
+            <a:r>
+              <a:t>Updates to the Hackathon repo will be made throughout the event</a:t>
+            </a:r>
+          </a:p>
+          <a:p>
+            <a:pPr marL="351155" indent="-351155" defTabSz="461518">
+              <a:spcBef>
+                <a:spcPts val="3300"/>
+              </a:spcBef>
+              <a:defRPr sz="2528"/>
+            </a:pPr>
+            <a:r>
+              <a:t>There will be a vote for the Most Helpful Person.  Votes must be in by 2PM on Sunday.</a:t>
+            </a:r>
+          </a:p>
+          <a:p>
+            <a:pPr marL="351155" indent="-351155" defTabSz="461518">
+              <a:spcBef>
+                <a:spcPts val="3300"/>
+              </a:spcBef>
+              <a:defRPr sz="2528"/>
+            </a:pPr>
+            <a:r>
+              <a:t>Meals will generally be on the patio.</a:t>
+            </a:r>
+          </a:p>
+          <a:p>
+            <a:pPr marL="351155" indent="-351155" defTabSz="461518">
+              <a:spcBef>
+                <a:spcPts val="3300"/>
+              </a:spcBef>
+              <a:defRPr sz="2528"/>
+            </a:pPr>
+            <a:r>
+              <a:t>Coffee, tea, water, soda and snacks will be available throughout the event</a:t>
+            </a:r>
+          </a:p>
+          <a:p>
+            <a:pPr marL="351155" indent="-351155" defTabSz="461518">
+              <a:spcBef>
+                <a:spcPts val="3300"/>
+              </a:spcBef>
+              <a:defRPr sz="2528"/>
+            </a:pPr>
+            <a:r>
+              <a:t>Please fill out the post-event feedback survey</a:t>
+            </a:r>
+          </a:p>
+        </p:txBody>
+      </p:sp>
+    </p:spTree>
+  </p:cSld>
+  <p:clrMapOvr>
+    <a:masterClrMapping/>
+  </p:clrMapOvr>
+  <p:transition xmlns:p14="http://schemas.microsoft.com/office/powerpoint/2010/main" spd="med" advClick="1"/>
+</p:sld>
+</file>
+
+<file path=ppt/slides/slide11.xml><?xml version="1.0" encoding="utf-8"?>
+<p:sld xmlns:a="http://schemas.openxmlformats.org/drawingml/2006/main" xmlns:r="http://schemas.openxmlformats.org/officeDocument/2006/relationships" xmlns:p="http://schemas.openxmlformats.org/presentationml/2006/main" xmlns:m="http://schemas.openxmlformats.org/officeDocument/2006/math" xmlns:a14="http://schemas.microsoft.com/office/drawing/2010/main" showMasterSp="1" showMasterPhAnim="1">
+  <p:cSld>
+    <p:spTree>
+      <p:nvGrpSpPr>
+        <p:cNvPr id="1" name=""/>
+        <p:cNvGrpSpPr/>
+        <p:nvPr/>
+      </p:nvGrpSpPr>
+      <p:grpSpPr>
+        <a:xfrm>
+          <a:off x="0" y="0"/>
+          <a:ext cx="0" cy="0"/>
+          <a:chOff x="0" y="0"/>
+          <a:chExt cx="0" cy="0"/>
+        </a:xfrm>
+      </p:grpSpPr>
+      <p:sp>
+        <p:nvSpPr>
+          <p:cNvPr id="156" name="Thanks to our Sponsors!"/>
+          <p:cNvSpPr txBox="1"/>
+          <p:nvPr>
+            <p:ph type="title"/>
+          </p:nvPr>
+        </p:nvSpPr>
+        <p:spPr>
+          <a:prstGeom prst="rect">
+            <a:avLst/>
+          </a:prstGeom>
+        </p:spPr>
+        <p:txBody>
+          <a:bodyPr/>
+          <a:lstStyle>
+            <a:lvl1pPr defTabSz="554990">
+              <a:defRPr sz="7600"/>
+            </a:lvl1pPr>
+          </a:lstStyle>
+          <a:p>
+            <a:pPr/>
+            <a:r>
+              <a:t>Thanks to our Sponsors!</a:t>
+            </a:r>
+          </a:p>
+        </p:txBody>
+      </p:sp>
+      <p:pic>
+        <p:nvPicPr>
+          <p:cNvPr id="157" name="Image" descr="Image"/>
+          <p:cNvPicPr>
+            <a:picLocks noChangeAspect="1"/>
+          </p:cNvPicPr>
+          <p:nvPr/>
+        </p:nvPicPr>
+        <p:blipFill>
+          <a:blip r:embed="rId2">
+            <a:extLst/>
+          </a:blip>
+          <a:stretch>
+            <a:fillRect/>
+          </a:stretch>
+        </p:blipFill>
+        <p:spPr>
+          <a:xfrm>
+            <a:off x="996950" y="2982166"/>
+            <a:ext cx="4447468" cy="1574191"/>
+          </a:xfrm>
+          <a:prstGeom prst="rect">
+            <a:avLst/>
+          </a:prstGeom>
+          <a:ln w="12700">
+            <a:miter lim="400000"/>
+          </a:ln>
+        </p:spPr>
+      </p:pic>
+      <p:pic>
+        <p:nvPicPr>
+          <p:cNvPr id="158" name="RConsortium_Horizontal_Pantone.png" descr="RConsortium_Horizontal_Pantone.png"/>
+          <p:cNvPicPr>
+            <a:picLocks noChangeAspect="1"/>
+          </p:cNvPicPr>
+          <p:nvPr/>
+        </p:nvPicPr>
+        <p:blipFill>
+          <a:blip r:embed="rId3">
+            <a:extLst/>
+          </a:blip>
+          <a:stretch>
+            <a:fillRect/>
+          </a:stretch>
+        </p:blipFill>
+        <p:spPr>
+          <a:xfrm>
+            <a:off x="1153955" y="6344723"/>
+            <a:ext cx="5916671" cy="1332342"/>
+          </a:xfrm>
+          <a:prstGeom prst="rect">
+            <a:avLst/>
+          </a:prstGeom>
+          <a:ln w="12700">
+            <a:miter lim="400000"/>
+          </a:ln>
+        </p:spPr>
+      </p:pic>
+      <p:pic>
+        <p:nvPicPr>
+          <p:cNvPr id="159" name="Logo-Sponsors-1.png" descr="Logo-Sponsors-1.png"/>
+          <p:cNvPicPr>
+            <a:picLocks noChangeAspect="1"/>
+          </p:cNvPicPr>
+          <p:nvPr/>
+        </p:nvPicPr>
+        <p:blipFill>
+          <a:blip r:embed="rId4">
+            <a:extLst/>
+          </a:blip>
+          <a:stretch>
+            <a:fillRect/>
+          </a:stretch>
+        </p:blipFill>
+        <p:spPr>
+          <a:xfrm>
+            <a:off x="6499125" y="3006605"/>
+            <a:ext cx="5916671" cy="1830113"/>
+          </a:xfrm>
+          <a:prstGeom prst="rect">
+            <a:avLst/>
+          </a:prstGeom>
+          <a:ln w="12700">
+            <a:miter lim="400000"/>
+          </a:ln>
+        </p:spPr>
+      </p:pic>
+      <p:pic>
+        <p:nvPicPr>
+          <p:cNvPr id="160" name="RStudio-Logo-Blue-Gray-250.png" descr="RStudio-Logo-Blue-Gray-250.png"/>
+          <p:cNvPicPr>
+            <a:picLocks noChangeAspect="1"/>
+          </p:cNvPicPr>
+          <p:nvPr/>
+        </p:nvPicPr>
+        <p:blipFill>
+          <a:blip r:embed="rId5">
+            <a:extLst/>
+          </a:blip>
+          <a:stretch>
+            <a:fillRect/>
+          </a:stretch>
+        </p:blipFill>
+        <p:spPr>
+          <a:xfrm>
+            <a:off x="8030269" y="6989021"/>
+            <a:ext cx="4049361" cy="1425375"/>
+          </a:xfrm>
+          <a:prstGeom prst="rect">
+            <a:avLst/>
+          </a:prstGeom>
+          <a:ln w="12700">
+            <a:miter lim="400000"/>
+          </a:ln>
+        </p:spPr>
+      </p:pic>
+      <p:pic>
+        <p:nvPicPr>
+          <p:cNvPr id="161" name="DataScienceGo-gray.png" descr="DataScienceGo-gray.png"/>
+          <p:cNvPicPr>
+            <a:picLocks noChangeAspect="1"/>
+          </p:cNvPicPr>
+          <p:nvPr/>
+        </p:nvPicPr>
+        <p:blipFill>
+          <a:blip r:embed="rId6">
+            <a:extLst/>
+          </a:blip>
+          <a:stretch>
+            <a:fillRect/>
+          </a:stretch>
+        </p:blipFill>
+        <p:spPr>
+          <a:xfrm>
+            <a:off x="4568199" y="4914388"/>
+            <a:ext cx="6033750" cy="1652024"/>
+          </a:xfrm>
+          <a:prstGeom prst="rect">
+            <a:avLst/>
+          </a:prstGeom>
+          <a:ln w="12700">
+            <a:miter lim="400000"/>
+          </a:ln>
+        </p:spPr>
+      </p:pic>
+    </p:spTree>
+  </p:cSld>
+  <p:clrMapOvr>
+    <a:masterClrMapping/>
+  </p:clrMapOvr>
+  <p:transition xmlns:p14="http://schemas.microsoft.com/office/powerpoint/2010/main" spd="med" advClick="1"/>
+</p:sld>
+</file>
+
+<file path=ppt/slides/slide12.xml><?xml version="1.0" encoding="utf-8"?>
+<p:sld xmlns:a="http://schemas.openxmlformats.org/drawingml/2006/main" xmlns:r="http://schemas.openxmlformats.org/officeDocument/2006/relationships" xmlns:p="http://schemas.openxmlformats.org/presentationml/2006/main" xmlns:m="http://schemas.openxmlformats.org/officeDocument/2006/math" xmlns:a14="http://schemas.microsoft.com/office/drawing/2010/main" showMasterSp="1" showMasterPhAnim="1">
+  <p:cSld>
+    <p:spTree>
+      <p:nvGrpSpPr>
+        <p:cNvPr id="1" name=""/>
+        <p:cNvGrpSpPr/>
+        <p:nvPr/>
+      </p:nvGrpSpPr>
+      <p:grpSpPr>
+        <a:xfrm>
+          <a:off x="0" y="0"/>
+          <a:ext cx="0" cy="0"/>
+          <a:chOff x="0" y="0"/>
+          <a:chExt cx="0" cy="0"/>
+        </a:xfrm>
+      </p:grpSpPr>
+      <p:sp>
+        <p:nvSpPr>
+          <p:cNvPr id="163" name="Thanks to our Volunteers!!!"/>
+          <p:cNvSpPr txBox="1"/>
+          <p:nvPr>
+            <p:ph type="title"/>
+          </p:nvPr>
+        </p:nvSpPr>
+        <p:spPr>
+          <a:prstGeom prst="rect">
+            <a:avLst/>
+          </a:prstGeom>
+        </p:spPr>
+        <p:txBody>
+          <a:bodyPr/>
+          <a:lstStyle>
+            <a:lvl1pPr defTabSz="508254">
+              <a:defRPr sz="6960"/>
+            </a:lvl1pPr>
+          </a:lstStyle>
+          <a:p>
+            <a:pPr/>
+            <a:r>
+              <a:t>Thanks to our Volunteers!!!</a:t>
+            </a:r>
+          </a:p>
+        </p:txBody>
+      </p:sp>
+      <p:sp>
+        <p:nvSpPr>
+          <p:cNvPr id="164" name="👏"/>
+          <p:cNvSpPr txBox="1"/>
+          <p:nvPr/>
+        </p:nvSpPr>
+        <p:spPr>
+          <a:xfrm>
+            <a:off x="4857750" y="3060700"/>
+            <a:ext cx="3289301" cy="4267201"/>
+          </a:xfrm>
+          <a:prstGeom prst="rect">
+            <a:avLst/>
+          </a:prstGeom>
+          <a:ln w="12700">
+            <a:miter lim="400000"/>
+          </a:ln>
+          <a:extLst>
+            <a:ext uri="{C572A759-6A51-4108-AA02-DFA0A04FC94B}">
+              <ma14:wrappingTextBoxFlag xmlns:ma14="http://schemas.microsoft.com/office/mac/drawingml/2011/main" val="1"/>
+            </a:ext>
+          </a:extLst>
+        </p:spPr>
+        <p:txBody>
+          <a:bodyPr wrap="none" lIns="50800" tIns="50800" rIns="50800" bIns="50800" anchor="ctr">
+            <a:spAutoFit/>
+          </a:bodyPr>
+          <a:lstStyle>
+            <a:lvl1pPr>
+              <a:defRPr sz="25000"/>
+            </a:lvl1pPr>
+          </a:lstStyle>
+          <a:p>
+            <a:pPr/>
+            <a:r>
+              <a:t>👏</a:t>
+            </a:r>
+          </a:p>
+        </p:txBody>
+      </p:sp>
+    </p:spTree>
+  </p:cSld>
+  <p:clrMapOvr>
+    <a:masterClrMapping/>
+  </p:clrMapOvr>
+  <p:transition xmlns:p14="http://schemas.microsoft.com/office/powerpoint/2010/main" spd="med" advClick="1"/>
+</p:sld>
+</file>
+
+<file path=ppt/slides/slide13.xml><?xml version="1.0" encoding="utf-8"?>
+<p:sld xmlns:a="http://schemas.openxmlformats.org/drawingml/2006/main" xmlns:r="http://schemas.openxmlformats.org/officeDocument/2006/relationships" xmlns:p="http://schemas.openxmlformats.org/presentationml/2006/main" xmlns:m="http://schemas.openxmlformats.org/officeDocument/2006/math" xmlns:a14="http://schemas.microsoft.com/office/drawing/2010/main" showMasterSp="1" showMasterPhAnim="1">
+  <p:cSld>
+    <p:spTree>
+      <p:nvGrpSpPr>
+        <p:cNvPr id="1" name=""/>
+        <p:cNvGrpSpPr/>
+        <p:nvPr/>
+      </p:nvGrpSpPr>
+      <p:grpSpPr>
+        <a:xfrm>
+          <a:off x="0" y="0"/>
+          <a:ext cx="0" cy="0"/>
+          <a:chOff x="0" y="0"/>
+          <a:chExt cx="0" cy="0"/>
+        </a:xfrm>
+      </p:grpSpPr>
+      <p:sp>
+        <p:nvSpPr>
+          <p:cNvPr id="166" name="Questions?"/>
+          <p:cNvSpPr txBox="1"/>
+          <p:nvPr>
+            <p:ph type="title"/>
+          </p:nvPr>
+        </p:nvSpPr>
+        <p:spPr>
+          <a:prstGeom prst="rect">
+            <a:avLst/>
+          </a:prstGeom>
+        </p:spPr>
+        <p:txBody>
+          <a:bodyPr/>
+          <a:lstStyle/>
+          <a:p>
+            <a:pPr/>
+            <a:r>
               <a:t>Questions?</a:t>
+            </a:r>
+          </a:p>
+        </p:txBody>
+      </p:sp>
+      <p:sp>
+        <p:nvSpPr>
+          <p:cNvPr id="167" name="Twitter: oc_rug"/>
+          <p:cNvSpPr txBox="1"/>
+          <p:nvPr/>
+        </p:nvSpPr>
+        <p:spPr>
+          <a:xfrm>
+            <a:off x="6421424" y="9053295"/>
+            <a:ext cx="2270152" cy="461060"/>
+          </a:xfrm>
+          <a:prstGeom prst="rect">
+            <a:avLst/>
+          </a:prstGeom>
+          <a:ln w="12700">
+            <a:miter lim="400000"/>
+          </a:ln>
+          <a:extLst>
+            <a:ext uri="{C572A759-6A51-4108-AA02-DFA0A04FC94B}">
+              <ma14:wrappingTextBoxFlag xmlns:ma14="http://schemas.microsoft.com/office/mac/drawingml/2011/main" val="1"/>
+            </a:ext>
+          </a:extLst>
+        </p:spPr>
+        <p:txBody>
+          <a:bodyPr wrap="none" lIns="50800" tIns="50800" rIns="50800" bIns="50800" anchor="ctr">
+            <a:spAutoFit/>
+          </a:bodyPr>
+          <a:lstStyle/>
+          <a:p>
+            <a:pPr/>
+            <a:r>
+              <a:t>Twitter: oc_rug</a:t>
+            </a:r>
+          </a:p>
+        </p:txBody>
+      </p:sp>
+      <p:sp>
+        <p:nvSpPr>
+          <p:cNvPr id="168" name="Tweet about our event!"/>
+          <p:cNvSpPr txBox="1"/>
+          <p:nvPr/>
+        </p:nvSpPr>
+        <p:spPr>
+          <a:xfrm>
+            <a:off x="9232188" y="9053295"/>
+            <a:ext cx="3455824" cy="461060"/>
+          </a:xfrm>
+          <a:prstGeom prst="rect">
+            <a:avLst/>
+          </a:prstGeom>
+          <a:ln w="12700">
+            <a:miter lim="400000"/>
+          </a:ln>
+          <a:extLst>
+            <a:ext uri="{C572A759-6A51-4108-AA02-DFA0A04FC94B}">
+              <ma14:wrappingTextBoxFlag xmlns:ma14="http://schemas.microsoft.com/office/mac/drawingml/2011/main" val="1"/>
+            </a:ext>
+          </a:extLst>
+        </p:spPr>
+        <p:txBody>
+          <a:bodyPr wrap="none" lIns="50800" tIns="50800" rIns="50800" bIns="50800" anchor="ctr">
+            <a:spAutoFit/>
+          </a:bodyPr>
+          <a:lstStyle>
+            <a:lvl1pPr>
+              <a:defRPr i="1"/>
+            </a:lvl1pPr>
+          </a:lstStyle>
+          <a:p>
+            <a:pPr/>
+            <a:r>
+              <a:t>Tweet about our event!</a:t>
             </a:r>
           </a:p>
         </p:txBody>
@@ -3186,7 +3739,7 @@
       </p:grpSpPr>
       <p:sp>
         <p:nvSpPr>
-          <p:cNvPr id="123" name="Goals of the Hackathon"/>
+          <p:cNvPr id="124" name="Goals of the Hackathon"/>
           <p:cNvSpPr txBox="1"/>
           <p:nvPr>
             <p:ph type="title"/>
@@ -3214,7 +3767,7 @@
       </p:sp>
       <p:sp>
         <p:nvSpPr>
-          <p:cNvPr id="124" name="The focus is on education &amp; teamwork…"/>
+          <p:cNvPr id="125" name="The focus is on education &amp; teamwork…"/>
           <p:cNvSpPr txBox="1"/>
           <p:nvPr>
             <p:ph type="body" idx="1"/>
@@ -3346,7 +3899,7 @@
       </p:grpSpPr>
       <p:sp>
         <p:nvSpPr>
-          <p:cNvPr id="126" name="Rules"/>
+          <p:cNvPr id="127" name="Rules"/>
           <p:cNvSpPr txBox="1"/>
           <p:nvPr>
             <p:ph type="title"/>
@@ -3370,7 +3923,7 @@
       </p:sp>
       <p:sp>
         <p:nvSpPr>
-          <p:cNvPr id="127" name="All participants must abide by our code of conduct…"/>
+          <p:cNvPr id="128" name="All participants must abide by our code of conduct…"/>
           <p:cNvSpPr txBox="1"/>
           <p:nvPr>
             <p:ph type="body" idx="1"/>
@@ -3385,57 +3938,26 @@
           <a:bodyPr anchor="t"/>
           <a:lstStyle/>
           <a:p>
-            <a:pPr marL="435609" indent="-435609" defTabSz="572516">
-              <a:spcBef>
-                <a:spcPts val="4100"/>
-              </a:spcBef>
-              <a:defRPr sz="3136"/>
-            </a:pPr>
+            <a:pPr/>
             <a:r>
               <a:t>All participants must abide by our code of conduct</a:t>
             </a:r>
             <a:br/>
           </a:p>
           <a:p>
-            <a:pPr marL="435609" indent="-435609" defTabSz="572516">
-              <a:spcBef>
-                <a:spcPts val="4100"/>
-              </a:spcBef>
-              <a:defRPr sz="3136"/>
-            </a:pPr>
+            <a:pPr/>
             <a:r>
               <a:t>All work presented by the teams must be based upon work performed at the hackathon</a:t>
             </a:r>
           </a:p>
           <a:p>
-            <a:pPr marL="435609" indent="-435609" defTabSz="572516">
-              <a:spcBef>
-                <a:spcPts val="4100"/>
-              </a:spcBef>
-              <a:defRPr sz="3136"/>
-            </a:pPr>
+            <a:pPr/>
             <a:r>
               <a:t>Feel free to help others, even across teams</a:t>
             </a:r>
           </a:p>
           <a:p>
-            <a:pPr marL="435609" indent="-435609" defTabSz="572516">
-              <a:spcBef>
-                <a:spcPts val="4100"/>
-              </a:spcBef>
-              <a:defRPr sz="3136"/>
-            </a:pPr>
-            <a:r>
-              <a:t>You’re free to come and go as you like, but suggest working together with your team as much as possible</a:t>
-            </a:r>
-          </a:p>
-          <a:p>
-            <a:pPr marL="435609" indent="-435609" defTabSz="572516">
-              <a:spcBef>
-                <a:spcPts val="4100"/>
-              </a:spcBef>
-              <a:defRPr sz="3136"/>
-            </a:pPr>
+            <a:pPr/>
             <a:r>
               <a:t>Please be courteous of the facilities, handle your trash, etc.</a:t>
             </a:r>
@@ -3444,7 +3966,7 @@
       </p:sp>
       <p:sp>
         <p:nvSpPr>
-          <p:cNvPr id="128" name="https://github.com/ocrug/hackathon-2019/blob/master/code-of-conduct.md"/>
+          <p:cNvPr id="129" name="https://github.com/ocrug/hackathon-2019/blob/master/code-of-conduct.md"/>
           <p:cNvSpPr txBox="1"/>
           <p:nvPr/>
         </p:nvSpPr>
@@ -3513,7 +4035,7 @@
       </p:grpSpPr>
       <p:sp>
         <p:nvSpPr>
-          <p:cNvPr id="130" name="Schedule"/>
+          <p:cNvPr id="131" name="Schedule"/>
           <p:cNvSpPr txBox="1"/>
           <p:nvPr>
             <p:ph type="title"/>
@@ -3537,7 +4059,7 @@
       </p:sp>
       <p:pic>
         <p:nvPicPr>
-          <p:cNvPr id="131" name="Image" descr="Image"/>
+          <p:cNvPr id="132" name="Image" descr="Image"/>
           <p:cNvPicPr>
             <a:picLocks noChangeAspect="1"/>
           </p:cNvPicPr>
@@ -3592,7 +4114,7 @@
       </p:grpSpPr>
       <p:sp>
         <p:nvSpPr>
-          <p:cNvPr id="133" name="Schedule"/>
+          <p:cNvPr id="134" name="Schedule"/>
           <p:cNvSpPr txBox="1"/>
           <p:nvPr>
             <p:ph type="title"/>
@@ -3616,7 +4138,7 @@
       </p:sp>
       <p:pic>
         <p:nvPicPr>
-          <p:cNvPr id="134" name="Image" descr="Image"/>
+          <p:cNvPr id="135" name="Image" descr="Image"/>
           <p:cNvPicPr>
             <a:picLocks noChangeAspect="1"/>
           </p:cNvPicPr>
@@ -3671,7 +4193,7 @@
       </p:grpSpPr>
       <p:sp>
         <p:nvSpPr>
-          <p:cNvPr id="136" name="Awards Categories"/>
+          <p:cNvPr id="137" name="Awards Categories"/>
           <p:cNvSpPr txBox="1"/>
           <p:nvPr>
             <p:ph type="title"/>
@@ -3695,7 +4217,7 @@
       </p:sp>
       <p:sp>
         <p:nvSpPr>
-          <p:cNvPr id="137" name="Best Insight…"/>
+          <p:cNvPr id="138" name="Best Insight…"/>
           <p:cNvSpPr txBox="1"/>
           <p:nvPr>
             <p:ph type="body" idx="1"/>
@@ -3710,25 +4232,41 @@
           <a:bodyPr anchor="t"/>
           <a:lstStyle/>
           <a:p>
-            <a:pPr/>
+            <a:pPr>
+              <a:spcBef>
+                <a:spcPts val="2300"/>
+              </a:spcBef>
+            </a:pPr>
             <a:r>
               <a:t>Best Insight</a:t>
             </a:r>
           </a:p>
           <a:p>
-            <a:pPr/>
+            <a:pPr>
+              <a:spcBef>
+                <a:spcPts val="2300"/>
+              </a:spcBef>
+            </a:pPr>
             <a:r>
               <a:t>Best Visualization</a:t>
             </a:r>
           </a:p>
           <a:p>
-            <a:pPr/>
+            <a:pPr>
+              <a:spcBef>
+                <a:spcPts val="2300"/>
+              </a:spcBef>
+            </a:pPr>
             <a:r>
               <a:t>Best Model</a:t>
             </a:r>
           </a:p>
           <a:p>
-            <a:pPr/>
+            <a:pPr>
+              <a:spcBef>
+                <a:spcPts val="2300"/>
+              </a:spcBef>
+            </a:pPr>
             <a:r>
               <a:t>Most Helpful Person</a:t>
             </a:r>
@@ -3737,13 +4275,13 @@
       </p:sp>
       <p:sp>
         <p:nvSpPr>
-          <p:cNvPr id="138" name="https://github.com/ocrug/hackathon-2019/blob/master/admin/judging_guidelines.md"/>
+          <p:cNvPr id="139" name="https://github.com/ocrug/hackathon-2019/blob/master/admin/judging_guidelines.md"/>
           <p:cNvSpPr txBox="1"/>
           <p:nvPr/>
         </p:nvSpPr>
         <p:spPr>
           <a:xfrm>
-            <a:off x="779373" y="7763967"/>
+            <a:off x="652373" y="6430467"/>
             <a:ext cx="11700054" cy="461366"/>
           </a:xfrm>
           <a:prstGeom prst="rect">
@@ -3780,13 +4318,13 @@
       </p:sp>
       <p:sp>
         <p:nvSpPr>
-          <p:cNvPr id="139" name="More info on the judging guidelines:"/>
+          <p:cNvPr id="140" name="More info on the judging guidelines:"/>
           <p:cNvSpPr txBox="1"/>
           <p:nvPr/>
         </p:nvSpPr>
         <p:spPr>
           <a:xfrm>
-            <a:off x="3843629" y="7148170"/>
+            <a:off x="3716629" y="5814670"/>
             <a:ext cx="5317542" cy="461060"/>
           </a:xfrm>
           <a:prstGeom prst="rect">
@@ -3810,6 +4348,54 @@
             <a:pPr/>
             <a:r>
               <a:t>More info on the judging guidelines:</a:t>
+            </a:r>
+          </a:p>
+        </p:txBody>
+      </p:sp>
+      <p:sp>
+        <p:nvSpPr>
+          <p:cNvPr id="141" name="Winning teams will be cordially invited to present their work…"/>
+          <p:cNvSpPr txBox="1"/>
+          <p:nvPr/>
+        </p:nvSpPr>
+        <p:spPr>
+          <a:xfrm>
+            <a:off x="2032812" y="7554570"/>
+            <a:ext cx="8939176" cy="1197660"/>
+          </a:xfrm>
+          <a:prstGeom prst="rect">
+            <a:avLst/>
+          </a:prstGeom>
+          <a:ln w="12700">
+            <a:miter lim="400000"/>
+          </a:ln>
+          <a:extLst>
+            <a:ext uri="{C572A759-6A51-4108-AA02-DFA0A04FC94B}">
+              <ma14:wrappingTextBoxFlag xmlns:ma14="http://schemas.microsoft.com/office/mac/drawingml/2011/main" val="1"/>
+            </a:ext>
+          </a:extLst>
+        </p:spPr>
+        <p:txBody>
+          <a:bodyPr wrap="none" lIns="50800" tIns="50800" rIns="50800" bIns="50800" anchor="ctr">
+            <a:spAutoFit/>
+          </a:bodyPr>
+          <a:lstStyle/>
+          <a:p>
+            <a:pPr/>
+            <a:r>
+              <a:t>Winning teams will be cordially invited to present their work </a:t>
+            </a:r>
+          </a:p>
+          <a:p>
+            <a:pPr/>
+            <a:r>
+              <a:t>at the May OCRUG Meeting</a:t>
+            </a:r>
+          </a:p>
+          <a:p>
+            <a:pPr/>
+            <a:r>
+              <a:t>Tuesday May 28th @ 6:30 PM</a:t>
             </a:r>
           </a:p>
         </p:txBody>
@@ -3842,7 +4428,7 @@
       </p:grpSpPr>
       <p:sp>
         <p:nvSpPr>
-          <p:cNvPr id="141" name="Presentations"/>
+          <p:cNvPr id="143" name="Team Formation"/>
           <p:cNvSpPr txBox="1"/>
           <p:nvPr>
             <p:ph type="title"/>
@@ -3859,14 +4445,14 @@
           <a:p>
             <a:pPr/>
             <a:r>
-              <a:t>Presentations</a:t>
+              <a:t>Team Formation</a:t>
             </a:r>
           </a:p>
         </p:txBody>
       </p:sp>
       <p:sp>
         <p:nvSpPr>
-          <p:cNvPr id="142" name="All teams will submit a short 2 - 3 page PDF summary of their findings…"/>
+          <p:cNvPr id="144" name="Everyone needs to be on a team with 2 — 5 people…"/>
           <p:cNvSpPr txBox="1"/>
           <p:nvPr>
             <p:ph type="body" idx="1"/>
@@ -3881,41 +4467,144 @@
           <a:bodyPr anchor="t"/>
           <a:lstStyle/>
           <a:p>
+            <a:pPr>
+              <a:spcBef>
+                <a:spcPts val="1200"/>
+              </a:spcBef>
+              <a:defRPr sz="3000"/>
+            </a:pPr>
+            <a:r>
+              <a:t>Everyone needs to be on a team with 2 — 5 people</a:t>
+            </a:r>
+          </a:p>
+          <a:p>
+            <a:pPr>
+              <a:spcBef>
+                <a:spcPts val="1200"/>
+              </a:spcBef>
+              <a:defRPr sz="3000"/>
+            </a:pPr>
+            <a:r>
+              <a:t>We encourage teams to have 5 people</a:t>
+            </a:r>
+          </a:p>
+          <a:p>
+            <a:pPr>
+              <a:spcBef>
+                <a:spcPts val="1200"/>
+              </a:spcBef>
+              <a:defRPr sz="3000"/>
+            </a:pPr>
+            <a:r>
+              <a:t>For teams already formed with less than 5 people, consider bringing additional people in</a:t>
+            </a:r>
+          </a:p>
+          <a:p>
+            <a:pPr>
+              <a:spcBef>
+                <a:spcPts val="1200"/>
+              </a:spcBef>
+              <a:buClr>
+                <a:srgbClr val="000000"/>
+              </a:buClr>
+              <a:defRPr sz="3000"/>
+            </a:pPr>
+          </a:p>
+          <a:p>
+            <a:pPr>
+              <a:spcBef>
+                <a:spcPts val="1200"/>
+              </a:spcBef>
+              <a:buClr>
+                <a:srgbClr val="000000"/>
+              </a:buClr>
+              <a:defRPr sz="3000"/>
+            </a:pPr>
+          </a:p>
+          <a:p>
+            <a:pPr>
+              <a:spcBef>
+                <a:spcPts val="1200"/>
+              </a:spcBef>
+              <a:buClr>
+                <a:srgbClr val="000000"/>
+              </a:buClr>
+              <a:defRPr sz="3000"/>
+            </a:pPr>
+            <a:r>
+              <a:t>We’ll divide the room into three sections, one for each of the award categories (insight, visualization, model)</a:t>
+            </a:r>
+          </a:p>
+          <a:p>
+            <a:pPr>
+              <a:spcBef>
+                <a:spcPts val="1200"/>
+              </a:spcBef>
+              <a:buClr>
+                <a:srgbClr val="000000"/>
+              </a:buClr>
+              <a:defRPr sz="3000"/>
+            </a:pPr>
+            <a:r>
+              <a:t>Go to the section that interests you most</a:t>
+            </a:r>
+          </a:p>
+          <a:p>
+            <a:pPr>
+              <a:spcBef>
+                <a:spcPts val="1200"/>
+              </a:spcBef>
+              <a:buClr>
+                <a:srgbClr val="000000"/>
+              </a:buClr>
+              <a:defRPr sz="3000"/>
+            </a:pPr>
+            <a:r>
+              <a:t>Group up with the people within your section</a:t>
+            </a:r>
+            <a:br/>
+            <a:r>
+              <a:t>(we’ll help out too if you need it)</a:t>
+            </a:r>
+          </a:p>
+        </p:txBody>
+      </p:sp>
+      <p:sp>
+        <p:nvSpPr>
+          <p:cNvPr id="145" name="For Participants that need a team &amp; existing teams that need more members"/>
+          <p:cNvSpPr txBox="1"/>
+          <p:nvPr/>
+        </p:nvSpPr>
+        <p:spPr>
+          <a:xfrm>
+            <a:off x="1001725" y="5066475"/>
+            <a:ext cx="7798619" cy="1030350"/>
+          </a:xfrm>
+          <a:prstGeom prst="rect">
+            <a:avLst/>
+          </a:prstGeom>
+          <a:ln w="12700">
+            <a:miter lim="400000"/>
+          </a:ln>
+          <a:extLst>
+            <a:ext uri="{C572A759-6A51-4108-AA02-DFA0A04FC94B}">
+              <ma14:wrappingTextBoxFlag xmlns:ma14="http://schemas.microsoft.com/office/mac/drawingml/2011/main" val="1"/>
+            </a:ext>
+          </a:extLst>
+        </p:spPr>
+        <p:txBody>
+          <a:bodyPr lIns="50800" tIns="50800" rIns="50800" bIns="50800" anchor="ctr">
+            <a:spAutoFit/>
+          </a:bodyPr>
+          <a:lstStyle>
+            <a:lvl1pPr algn="l">
+              <a:defRPr sz="3000"/>
+            </a:lvl1pPr>
+          </a:lstStyle>
+          <a:p>
             <a:pPr/>
             <a:r>
-              <a:t>All teams will submit a </a:t>
-            </a:r>
-            <a:r>
-              <a:rPr b="1"/>
-              <a:t>short 2 - 3 page PDF summary</a:t>
-            </a:r>
-            <a:r>
-              <a:t> of their findings</a:t>
-            </a:r>
-          </a:p>
-          <a:p>
-            <a:pPr/>
-            <a:r>
-              <a:t>Teams will have </a:t>
-            </a:r>
-            <a:r>
-              <a:rPr b="1"/>
-              <a:t>5 minutes to present</a:t>
-            </a:r>
-            <a:r>
-              <a:t> their work</a:t>
-            </a:r>
-          </a:p>
-          <a:p>
-            <a:pPr/>
-            <a:r>
-              <a:t>The panel of judges will review the work and decide on the awards</a:t>
-            </a:r>
-          </a:p>
-          <a:p>
-            <a:pPr/>
-            <a:r>
-              <a:t>Try to have a good idea about what you’ll be presenting by Saturday night!</a:t>
+              <a:t>For Participants that need a team &amp; existing teams that need more members</a:t>
             </a:r>
           </a:p>
         </p:txBody>
@@ -3948,7 +4637,7 @@
       </p:grpSpPr>
       <p:sp>
         <p:nvSpPr>
-          <p:cNvPr id="144" name="Logistics"/>
+          <p:cNvPr id="147" name="Presentations"/>
           <p:cNvSpPr txBox="1"/>
           <p:nvPr>
             <p:ph type="title"/>
@@ -3965,14 +4654,14 @@
           <a:p>
             <a:pPr/>
             <a:r>
-              <a:t>Logistics</a:t>
+              <a:t>Presentations</a:t>
             </a:r>
           </a:p>
         </p:txBody>
       </p:sp>
       <p:sp>
         <p:nvSpPr>
-          <p:cNvPr id="145" name="Feel free to come and go as you like…"/>
+          <p:cNvPr id="148" name="All teams will submit a short 2 - 3 page PDF summary of their findings…"/>
           <p:cNvSpPr txBox="1"/>
           <p:nvPr>
             <p:ph type="body" idx="1"/>
@@ -3989,31 +4678,39 @@
           <a:p>
             <a:pPr/>
             <a:r>
-              <a:t>Feel free to come and go as you like</a:t>
+              <a:t>All teams will submit a </a:t>
+            </a:r>
+            <a:r>
+              <a:rPr b="1"/>
+              <a:t>short 2 - 3 page PDF summary</a:t>
+            </a:r>
+            <a:r>
+              <a:t> of their findings</a:t>
             </a:r>
           </a:p>
           <a:p>
             <a:pPr/>
             <a:r>
-              <a:t>We have several breakout rooms if you’d like a quieter environment, the patio if you’d like some air</a:t>
+              <a:t>Teams will have </a:t>
+            </a:r>
+            <a:r>
+              <a:rPr b="1"/>
+              <a:t>5 minutes to present</a:t>
+            </a:r>
+            <a:r>
+              <a:t> their work</a:t>
             </a:r>
           </a:p>
           <a:p>
             <a:pPr/>
             <a:r>
-              <a:t>Please be mindful of others in the building</a:t>
+              <a:t>The panel of judges will review the work and decide on the awards</a:t>
             </a:r>
           </a:p>
           <a:p>
             <a:pPr/>
             <a:r>
-              <a:t>Let us know if you see anything that might need our attention</a:t>
-            </a:r>
-          </a:p>
-          <a:p>
-            <a:pPr/>
-            <a:r>
-              <a:t>We’ll be using the OCRUG Slack group for general questions — #hackathon-2019</a:t>
+              <a:t>Try to have a good idea about what you’ll be presenting by Saturday night!</a:t>
             </a:r>
           </a:p>
         </p:txBody>
@@ -4046,7 +4743,7 @@
       </p:grpSpPr>
       <p:sp>
         <p:nvSpPr>
-          <p:cNvPr id="147" name="Thanks to our Sponsors!"/>
+          <p:cNvPr id="150" name="Logistics"/>
           <p:cNvSpPr txBox="1"/>
           <p:nvPr>
             <p:ph type="title"/>
@@ -4059,167 +4756,92 @@
         </p:spPr>
         <p:txBody>
           <a:bodyPr/>
-          <a:lstStyle>
-            <a:lvl1pPr defTabSz="554990">
-              <a:defRPr sz="7600"/>
-            </a:lvl1pPr>
-          </a:lstStyle>
+          <a:lstStyle/>
           <a:p>
             <a:pPr/>
             <a:r>
-              <a:t>Thanks to our Sponsors!</a:t>
+              <a:t>Logistics</a:t>
             </a:r>
           </a:p>
         </p:txBody>
       </p:sp>
-      <p:pic>
-        <p:nvPicPr>
-          <p:cNvPr id="148" name="Image" descr="Image"/>
-          <p:cNvPicPr>
-            <a:picLocks noChangeAspect="1"/>
-          </p:cNvPicPr>
-          <p:nvPr/>
-        </p:nvPicPr>
-        <p:blipFill>
-          <a:blip r:embed="rId2">
-            <a:extLst/>
-          </a:blip>
-          <a:stretch>
-            <a:fillRect/>
-          </a:stretch>
-        </p:blipFill>
-        <p:spPr>
-          <a:xfrm>
-            <a:off x="1085850" y="3718766"/>
-            <a:ext cx="4447468" cy="1574191"/>
-          </a:xfrm>
-          <a:prstGeom prst="rect">
-            <a:avLst/>
-          </a:prstGeom>
-          <a:ln w="12700">
-            <a:miter lim="400000"/>
-          </a:ln>
-        </p:spPr>
-      </p:pic>
-      <p:pic>
-        <p:nvPicPr>
-          <p:cNvPr id="149" name="RConsortium_Horizontal_Pantone.png" descr="RConsortium_Horizontal_Pantone.png"/>
-          <p:cNvPicPr>
-            <a:picLocks noChangeAspect="1"/>
-          </p:cNvPicPr>
-          <p:nvPr/>
-        </p:nvPicPr>
-        <p:blipFill>
-          <a:blip r:embed="rId3">
-            <a:extLst/>
-          </a:blip>
-          <a:stretch>
-            <a:fillRect/>
-          </a:stretch>
-        </p:blipFill>
-        <p:spPr>
-          <a:xfrm>
-            <a:off x="1153955" y="6344723"/>
-            <a:ext cx="5916671" cy="1332342"/>
-          </a:xfrm>
-          <a:prstGeom prst="rect">
-            <a:avLst/>
-          </a:prstGeom>
-          <a:ln w="12700">
-            <a:miter lim="400000"/>
-          </a:ln>
-        </p:spPr>
-      </p:pic>
-      <p:pic>
-        <p:nvPicPr>
-          <p:cNvPr id="150" name="Logo-Sponsors-1.png" descr="Logo-Sponsors-1.png"/>
-          <p:cNvPicPr>
-            <a:picLocks noChangeAspect="1"/>
-          </p:cNvPicPr>
-          <p:nvPr/>
-        </p:nvPicPr>
-        <p:blipFill>
-          <a:blip r:embed="rId4">
-            <a:extLst/>
-          </a:blip>
-          <a:stretch>
-            <a:fillRect/>
-          </a:stretch>
-        </p:blipFill>
-        <p:spPr>
-          <a:xfrm>
-            <a:off x="6676925" y="3590805"/>
-            <a:ext cx="5916671" cy="1830113"/>
-          </a:xfrm>
-          <a:prstGeom prst="rect">
-            <a:avLst/>
-          </a:prstGeom>
-          <a:ln w="12700">
-            <a:miter lim="400000"/>
-          </a:ln>
-        </p:spPr>
-      </p:pic>
-      <p:pic>
-        <p:nvPicPr>
-          <p:cNvPr id="151" name="RStudio-Logo-Blue-Gray-250.png" descr="RStudio-Logo-Blue-Gray-250.png"/>
-          <p:cNvPicPr>
-            <a:picLocks noChangeAspect="1"/>
-          </p:cNvPicPr>
-          <p:nvPr/>
-        </p:nvPicPr>
-        <p:blipFill>
-          <a:blip r:embed="rId5">
-            <a:extLst/>
-          </a:blip>
-          <a:stretch>
-            <a:fillRect/>
-          </a:stretch>
-        </p:blipFill>
-        <p:spPr>
-          <a:xfrm>
-            <a:off x="8208069" y="6036521"/>
-            <a:ext cx="4049361" cy="1425376"/>
-          </a:xfrm>
-          <a:prstGeom prst="rect">
-            <a:avLst/>
-          </a:prstGeom>
-          <a:ln w="12700">
-            <a:miter lim="400000"/>
-          </a:ln>
-        </p:spPr>
-      </p:pic>
       <p:sp>
         <p:nvSpPr>
-          <p:cNvPr id="152" name="Data Science Go"/>
+          <p:cNvPr id="151" name="Feel free to come and go as you like.   IMPORTANT: Building door locks at 10 PM…"/>
           <p:cNvSpPr txBox="1"/>
-          <p:nvPr/>
+          <p:nvPr>
+            <p:ph type="body" idx="1"/>
+          </p:nvPr>
         </p:nvSpPr>
         <p:spPr>
-          <a:xfrm>
-            <a:off x="8762288" y="4866013"/>
-            <a:ext cx="2541424" cy="461060"/>
-          </a:xfrm>
-          <a:prstGeom prst="rect">
-            <a:avLst/>
-          </a:prstGeom>
-          <a:ln w="12700">
-            <a:miter lim="400000"/>
-          </a:ln>
-          <a:extLst>
-            <a:ext uri="{C572A759-6A51-4108-AA02-DFA0A04FC94B}">
-              <ma14:wrappingTextBoxFlag xmlns:ma14="http://schemas.microsoft.com/office/mac/drawingml/2011/main" val="1"/>
-            </a:ext>
-          </a:extLst>
+          <a:prstGeom prst="rect">
+            <a:avLst/>
+          </a:prstGeom>
         </p:spPr>
         <p:txBody>
-          <a:bodyPr wrap="none" lIns="50800" tIns="50800" rIns="50800" bIns="50800" anchor="ctr">
-            <a:spAutoFit/>
-          </a:bodyPr>
+          <a:bodyPr anchor="t"/>
           <a:lstStyle/>
           <a:p>
-            <a:pPr/>
-            <a:r>
-              <a:t>Data Science Go</a:t>
+            <a:pPr marL="422275" indent="-422275" defTabSz="554990">
+              <a:spcBef>
+                <a:spcPts val="3900"/>
+              </a:spcBef>
+              <a:defRPr sz="3040"/>
+            </a:pPr>
+            <a:r>
+              <a:t>Feel free to come and go as you like.  </a:t>
+            </a:r>
+            <a:br/>
+            <a:r>
+              <a:t>IMPORTANT: Building door locks at 10 PM</a:t>
+            </a:r>
+          </a:p>
+          <a:p>
+            <a:pPr marL="422275" indent="-422275" defTabSz="554990">
+              <a:spcBef>
+                <a:spcPts val="3900"/>
+              </a:spcBef>
+              <a:defRPr sz="3040"/>
+            </a:pPr>
+            <a:r>
+              <a:t>We have several breakout rooms if you’d like a quieter environment, the patio if you’d like some air</a:t>
+            </a:r>
+          </a:p>
+          <a:p>
+            <a:pPr marL="422275" indent="-422275" defTabSz="554990">
+              <a:spcBef>
+                <a:spcPts val="3900"/>
+              </a:spcBef>
+              <a:defRPr sz="3040"/>
+            </a:pPr>
+            <a:r>
+              <a:t>Please be mindful of others in the building</a:t>
+            </a:r>
+          </a:p>
+          <a:p>
+            <a:pPr marL="422275" indent="-422275" defTabSz="554990">
+              <a:spcBef>
+                <a:spcPts val="3900"/>
+              </a:spcBef>
+              <a:defRPr sz="3040"/>
+            </a:pPr>
+            <a:r>
+              <a:t>Let us know if you see anything that might need our attention</a:t>
+            </a:r>
+          </a:p>
+          <a:p>
+            <a:pPr marL="422275" indent="-422275" defTabSz="554990">
+              <a:spcBef>
+                <a:spcPts val="3900"/>
+              </a:spcBef>
+              <a:defRPr sz="3040"/>
+            </a:pPr>
+            <a:r>
+              <a:t>The Slack channel #hackathon-2019 will be used for announcements and you are encouraged to post </a:t>
+            </a:r>
+            <a:br/>
+            <a:r>
+              <a:t>questions / comments</a:t>
             </a:r>
           </a:p>
         </p:txBody>

--- a/admin/intro_slides/hackathon_intro_slides.pptx
+++ b/admin/intro_slides/hackathon_intro_slides.pptx
@@ -21,6 +21,7 @@
     <p:sldId id="266" r:id="rId18"/>
     <p:sldId id="267" r:id="rId19"/>
     <p:sldId id="268" r:id="rId20"/>
+    <p:sldId id="269" r:id="rId21"/>
   </p:sldIdLst>
   <p:sldSz cx="13004800" cy="9753600"/>
   <p:notesSz cx="6858000" cy="9144000"/>
@@ -3320,7 +3321,7 @@
       </p:grpSpPr>
       <p:sp>
         <p:nvSpPr>
-          <p:cNvPr id="156" name="Thanks to our Sponsors!"/>
+          <p:cNvPr id="156" name="The PacMan Rule"/>
           <p:cNvSpPr txBox="1"/>
           <p:nvPr>
             <p:ph type="title"/>
@@ -3333,22 +3334,18 @@
         </p:spPr>
         <p:txBody>
           <a:bodyPr/>
-          <a:lstStyle>
-            <a:lvl1pPr defTabSz="554990">
-              <a:defRPr sz="7600"/>
-            </a:lvl1pPr>
-          </a:lstStyle>
+          <a:lstStyle/>
           <a:p>
             <a:pPr/>
             <a:r>
-              <a:t>Thanks to our Sponsors!</a:t>
+              <a:t>The PacMan Rule</a:t>
             </a:r>
           </a:p>
         </p:txBody>
       </p:sp>
       <p:pic>
         <p:nvPicPr>
-          <p:cNvPr id="157" name="Image" descr="Image"/>
+          <p:cNvPr id="157" name="pacman.png" descr="pacman.png"/>
           <p:cNvPicPr>
             <a:picLocks noChangeAspect="1"/>
           </p:cNvPicPr>
@@ -3364,8 +3361,8 @@
         </p:blipFill>
         <p:spPr>
           <a:xfrm>
-            <a:off x="996950" y="2982166"/>
-            <a:ext cx="4447468" cy="1574191"/>
+            <a:off x="4176509" y="4135651"/>
+            <a:ext cx="4651782" cy="4902979"/>
           </a:xfrm>
           <a:prstGeom prst="rect">
             <a:avLst/>
@@ -3375,26 +3372,16 @@
           </a:ln>
         </p:spPr>
       </p:pic>
-      <p:pic>
-        <p:nvPicPr>
-          <p:cNvPr id="158" name="RConsortium_Horizontal_Pantone.png" descr="RConsortium_Horizontal_Pantone.png"/>
-          <p:cNvPicPr>
-            <a:picLocks noChangeAspect="1"/>
-          </p:cNvPicPr>
+      <p:sp>
+        <p:nvSpPr>
+          <p:cNvPr id="158" name="When standing as a group of people, always leave room for 1 person to join your group."/>
+          <p:cNvSpPr txBox="1"/>
           <p:nvPr/>
-        </p:nvPicPr>
-        <p:blipFill>
-          <a:blip r:embed="rId3">
-            <a:extLst/>
-          </a:blip>
-          <a:stretch>
-            <a:fillRect/>
-          </a:stretch>
-        </p:blipFill>
+        </p:nvSpPr>
         <p:spPr>
           <a:xfrm>
-            <a:off x="1153955" y="6344723"/>
-            <a:ext cx="5916671" cy="1332342"/>
+            <a:off x="2628394" y="2456078"/>
+            <a:ext cx="7748012" cy="955244"/>
           </a:xfrm>
           <a:prstGeom prst="rect">
             <a:avLst/>
@@ -3402,28 +3389,39 @@
           <a:ln w="12700">
             <a:miter lim="400000"/>
           </a:ln>
-        </p:spPr>
-      </p:pic>
-      <p:pic>
-        <p:nvPicPr>
-          <p:cNvPr id="159" name="Logo-Sponsors-1.png" descr="Logo-Sponsors-1.png"/>
-          <p:cNvPicPr>
-            <a:picLocks noChangeAspect="1"/>
-          </p:cNvPicPr>
+          <a:extLst>
+            <a:ext uri="{C572A759-6A51-4108-AA02-DFA0A04FC94B}">
+              <ma14:wrappingTextBoxFlag xmlns:ma14="http://schemas.microsoft.com/office/mac/drawingml/2011/main" val="1"/>
+            </a:ext>
+          </a:extLst>
+        </p:spPr>
+        <p:txBody>
+          <a:bodyPr lIns="50800" tIns="50800" rIns="50800" bIns="50800" anchor="ctr">
+            <a:spAutoFit/>
+          </a:bodyPr>
+          <a:lstStyle>
+            <a:lvl1pPr>
+              <a:defRPr b="0" i="1" sz="2800"/>
+            </a:lvl1pPr>
+          </a:lstStyle>
+          <a:p>
+            <a:pPr/>
+            <a:r>
+              <a:t>When standing as a group of people, always leave room for 1 person to join your group.</a:t>
+            </a:r>
+          </a:p>
+        </p:txBody>
+      </p:sp>
+      <p:sp>
+        <p:nvSpPr>
+          <p:cNvPr id="159" name="Leave some space here"/>
+          <p:cNvSpPr txBox="1"/>
           <p:nvPr/>
-        </p:nvPicPr>
-        <p:blipFill>
-          <a:blip r:embed="rId4">
-            <a:extLst/>
-          </a:blip>
-          <a:stretch>
-            <a:fillRect/>
-          </a:stretch>
-        </p:blipFill>
+        </p:nvSpPr>
         <p:spPr>
           <a:xfrm>
-            <a:off x="6499125" y="3006605"/>
-            <a:ext cx="5916671" cy="1830113"/>
+            <a:off x="9171330" y="6172307"/>
+            <a:ext cx="2507962" cy="829667"/>
           </a:xfrm>
           <a:prstGeom prst="rect">
             <a:avLst/>
@@ -3431,66 +3429,69 @@
           <a:ln w="12700">
             <a:miter lim="400000"/>
           </a:ln>
-        </p:spPr>
-      </p:pic>
-      <p:pic>
-        <p:nvPicPr>
-          <p:cNvPr id="160" name="RStudio-Logo-Blue-Gray-250.png" descr="RStudio-Logo-Blue-Gray-250.png"/>
-          <p:cNvPicPr>
-            <a:picLocks noChangeAspect="1"/>
-          </p:cNvPicPr>
+          <a:extLst>
+            <a:ext uri="{C572A759-6A51-4108-AA02-DFA0A04FC94B}">
+              <ma14:wrappingTextBoxFlag xmlns:ma14="http://schemas.microsoft.com/office/mac/drawingml/2011/main" val="1"/>
+            </a:ext>
+          </a:extLst>
+        </p:spPr>
+        <p:txBody>
+          <a:bodyPr lIns="50800" tIns="50800" rIns="50800" bIns="50800" anchor="ctr">
+            <a:spAutoFit/>
+          </a:bodyPr>
+          <a:lstStyle>
+            <a:lvl1pPr>
+              <a:defRPr b="0"/>
+            </a:lvl1pPr>
+          </a:lstStyle>
+          <a:p>
+            <a:pPr/>
+            <a:r>
+              <a:t>Leave some space here</a:t>
+            </a:r>
+          </a:p>
+        </p:txBody>
+      </p:sp>
+      <p:sp>
+        <p:nvSpPr>
+          <p:cNvPr id="160" name="Line"/>
+          <p:cNvSpPr/>
           <p:nvPr/>
-        </p:nvPicPr>
-        <p:blipFill>
-          <a:blip r:embed="rId5">
-            <a:extLst/>
-          </a:blip>
-          <a:stretch>
-            <a:fillRect/>
-          </a:stretch>
-        </p:blipFill>
-        <p:spPr>
-          <a:xfrm>
-            <a:off x="8030269" y="6989021"/>
-            <a:ext cx="4049361" cy="1425375"/>
+        </p:nvSpPr>
+        <p:spPr>
+          <a:xfrm flipH="1">
+            <a:off x="8775700" y="6587140"/>
+            <a:ext cx="619954" cy="1"/>
           </a:xfrm>
-          <a:prstGeom prst="rect">
-            <a:avLst/>
-          </a:prstGeom>
-          <a:ln w="12700">
+          <a:prstGeom prst="line">
+            <a:avLst/>
+          </a:prstGeom>
+          <a:ln w="63500">
+            <a:solidFill>
+              <a:srgbClr val="000000"/>
+            </a:solidFill>
             <a:miter lim="400000"/>
+            <a:tailEnd type="triangle"/>
           </a:ln>
         </p:spPr>
-      </p:pic>
-      <p:pic>
-        <p:nvPicPr>
-          <p:cNvPr id="161" name="DataScienceGo-gray.png" descr="DataScienceGo-gray.png"/>
-          <p:cNvPicPr>
-            <a:picLocks noChangeAspect="1"/>
-          </p:cNvPicPr>
-          <p:nvPr/>
-        </p:nvPicPr>
-        <p:blipFill>
-          <a:blip r:embed="rId6">
-            <a:extLst/>
-          </a:blip>
-          <a:stretch>
-            <a:fillRect/>
-          </a:stretch>
-        </p:blipFill>
-        <p:spPr>
-          <a:xfrm>
-            <a:off x="4568199" y="4914388"/>
-            <a:ext cx="6033750" cy="1652024"/>
-          </a:xfrm>
-          <a:prstGeom prst="rect">
-            <a:avLst/>
-          </a:prstGeom>
-          <a:ln w="12700">
-            <a:miter lim="400000"/>
-          </a:ln>
-        </p:spPr>
-      </p:pic>
+        <p:txBody>
+          <a:bodyPr lIns="50800" tIns="50800" rIns="50800" bIns="50800" anchor="ctr"/>
+          <a:lstStyle/>
+          <a:p>
+            <a:pPr>
+              <a:defRPr b="0" sz="2200">
+                <a:solidFill>
+                  <a:srgbClr val="FFFFFF"/>
+                </a:solidFill>
+                <a:latin typeface="+mn-lt"/>
+                <a:ea typeface="+mn-ea"/>
+                <a:cs typeface="+mn-cs"/>
+                <a:sym typeface="Helvetica Neue Medium"/>
+              </a:defRPr>
+            </a:pPr>
+          </a:p>
+        </p:txBody>
+      </p:sp>
     </p:spTree>
   </p:cSld>
   <p:clrMapOvr>
@@ -3519,7 +3520,7 @@
       </p:grpSpPr>
       <p:sp>
         <p:nvSpPr>
-          <p:cNvPr id="163" name="Thanks to our Volunteers!!!"/>
+          <p:cNvPr id="162" name="Thanks to our Sponsors!"/>
           <p:cNvSpPr txBox="1"/>
           <p:nvPr>
             <p:ph type="title"/>
@@ -3533,28 +3534,38 @@
         <p:txBody>
           <a:bodyPr/>
           <a:lstStyle>
-            <a:lvl1pPr defTabSz="508254">
-              <a:defRPr sz="6960"/>
+            <a:lvl1pPr defTabSz="554990">
+              <a:defRPr sz="7600"/>
             </a:lvl1pPr>
           </a:lstStyle>
           <a:p>
             <a:pPr/>
             <a:r>
-              <a:t>Thanks to our Volunteers!!!</a:t>
-            </a:r>
-          </a:p>
-        </p:txBody>
-      </p:sp>
-      <p:sp>
-        <p:nvSpPr>
-          <p:cNvPr id="164" name="👏"/>
-          <p:cNvSpPr txBox="1"/>
+              <a:t>Thanks to our Sponsors!</a:t>
+            </a:r>
+          </a:p>
+        </p:txBody>
+      </p:sp>
+      <p:pic>
+        <p:nvPicPr>
+          <p:cNvPr id="163" name="Image" descr="Image"/>
+          <p:cNvPicPr>
+            <a:picLocks noChangeAspect="1"/>
+          </p:cNvPicPr>
           <p:nvPr/>
-        </p:nvSpPr>
+        </p:nvPicPr>
+        <p:blipFill>
+          <a:blip r:embed="rId2">
+            <a:extLst/>
+          </a:blip>
+          <a:stretch>
+            <a:fillRect/>
+          </a:stretch>
+        </p:blipFill>
         <p:spPr>
           <a:xfrm>
-            <a:off x="4857750" y="3060700"/>
-            <a:ext cx="3289301" cy="4267201"/>
+            <a:off x="996950" y="2982166"/>
+            <a:ext cx="4447468" cy="1574191"/>
           </a:xfrm>
           <a:prstGeom prst="rect">
             <a:avLst/>
@@ -3562,29 +3573,124 @@
           <a:ln w="12700">
             <a:miter lim="400000"/>
           </a:ln>
-          <a:extLst>
-            <a:ext uri="{C572A759-6A51-4108-AA02-DFA0A04FC94B}">
-              <ma14:wrappingTextBoxFlag xmlns:ma14="http://schemas.microsoft.com/office/mac/drawingml/2011/main" val="1"/>
-            </a:ext>
-          </a:extLst>
-        </p:spPr>
-        <p:txBody>
-          <a:bodyPr wrap="none" lIns="50800" tIns="50800" rIns="50800" bIns="50800" anchor="ctr">
-            <a:spAutoFit/>
-          </a:bodyPr>
-          <a:lstStyle>
-            <a:lvl1pPr>
-              <a:defRPr sz="25000"/>
-            </a:lvl1pPr>
-          </a:lstStyle>
-          <a:p>
-            <a:pPr/>
-            <a:r>
-              <a:t>👏</a:t>
-            </a:r>
-          </a:p>
-        </p:txBody>
-      </p:sp>
+        </p:spPr>
+      </p:pic>
+      <p:pic>
+        <p:nvPicPr>
+          <p:cNvPr id="164" name="RConsortium_Horizontal_Pantone.png" descr="RConsortium_Horizontal_Pantone.png"/>
+          <p:cNvPicPr>
+            <a:picLocks noChangeAspect="1"/>
+          </p:cNvPicPr>
+          <p:nvPr/>
+        </p:nvPicPr>
+        <p:blipFill>
+          <a:blip r:embed="rId3">
+            <a:extLst/>
+          </a:blip>
+          <a:stretch>
+            <a:fillRect/>
+          </a:stretch>
+        </p:blipFill>
+        <p:spPr>
+          <a:xfrm>
+            <a:off x="1153955" y="6344723"/>
+            <a:ext cx="5916671" cy="1332342"/>
+          </a:xfrm>
+          <a:prstGeom prst="rect">
+            <a:avLst/>
+          </a:prstGeom>
+          <a:ln w="12700">
+            <a:miter lim="400000"/>
+          </a:ln>
+        </p:spPr>
+      </p:pic>
+      <p:pic>
+        <p:nvPicPr>
+          <p:cNvPr id="165" name="Logo-Sponsors-1.png" descr="Logo-Sponsors-1.png"/>
+          <p:cNvPicPr>
+            <a:picLocks noChangeAspect="1"/>
+          </p:cNvPicPr>
+          <p:nvPr/>
+        </p:nvPicPr>
+        <p:blipFill>
+          <a:blip r:embed="rId4">
+            <a:extLst/>
+          </a:blip>
+          <a:stretch>
+            <a:fillRect/>
+          </a:stretch>
+        </p:blipFill>
+        <p:spPr>
+          <a:xfrm>
+            <a:off x="6499125" y="3006605"/>
+            <a:ext cx="5916671" cy="1830113"/>
+          </a:xfrm>
+          <a:prstGeom prst="rect">
+            <a:avLst/>
+          </a:prstGeom>
+          <a:ln w="12700">
+            <a:miter lim="400000"/>
+          </a:ln>
+        </p:spPr>
+      </p:pic>
+      <p:pic>
+        <p:nvPicPr>
+          <p:cNvPr id="166" name="RStudio-Logo-Blue-Gray-250.png" descr="RStudio-Logo-Blue-Gray-250.png"/>
+          <p:cNvPicPr>
+            <a:picLocks noChangeAspect="1"/>
+          </p:cNvPicPr>
+          <p:nvPr/>
+        </p:nvPicPr>
+        <p:blipFill>
+          <a:blip r:embed="rId5">
+            <a:extLst/>
+          </a:blip>
+          <a:stretch>
+            <a:fillRect/>
+          </a:stretch>
+        </p:blipFill>
+        <p:spPr>
+          <a:xfrm>
+            <a:off x="8030269" y="6989021"/>
+            <a:ext cx="4049361" cy="1425376"/>
+          </a:xfrm>
+          <a:prstGeom prst="rect">
+            <a:avLst/>
+          </a:prstGeom>
+          <a:ln w="12700">
+            <a:miter lim="400000"/>
+          </a:ln>
+        </p:spPr>
+      </p:pic>
+      <p:pic>
+        <p:nvPicPr>
+          <p:cNvPr id="167" name="DataScienceGo-gray.png" descr="DataScienceGo-gray.png"/>
+          <p:cNvPicPr>
+            <a:picLocks noChangeAspect="1"/>
+          </p:cNvPicPr>
+          <p:nvPr/>
+        </p:nvPicPr>
+        <p:blipFill>
+          <a:blip r:embed="rId6">
+            <a:extLst/>
+          </a:blip>
+          <a:stretch>
+            <a:fillRect/>
+          </a:stretch>
+        </p:blipFill>
+        <p:spPr>
+          <a:xfrm>
+            <a:off x="4568199" y="4914388"/>
+            <a:ext cx="6033750" cy="1652024"/>
+          </a:xfrm>
+          <a:prstGeom prst="rect">
+            <a:avLst/>
+          </a:prstGeom>
+          <a:ln w="12700">
+            <a:miter lim="400000"/>
+          </a:ln>
+        </p:spPr>
+      </p:pic>
     </p:spTree>
   </p:cSld>
   <p:clrMapOvr>
@@ -3613,7 +3719,7 @@
       </p:grpSpPr>
       <p:sp>
         <p:nvSpPr>
-          <p:cNvPr id="166" name="Questions?"/>
+          <p:cNvPr id="169" name="Thanks to our Volunteers!!!"/>
           <p:cNvSpPr txBox="1"/>
           <p:nvPr>
             <p:ph type="title"/>
@@ -3626,25 +3732,29 @@
         </p:spPr>
         <p:txBody>
           <a:bodyPr/>
-          <a:lstStyle/>
+          <a:lstStyle>
+            <a:lvl1pPr defTabSz="508254">
+              <a:defRPr sz="6960"/>
+            </a:lvl1pPr>
+          </a:lstStyle>
           <a:p>
             <a:pPr/>
             <a:r>
-              <a:t>Questions?</a:t>
-            </a:r>
-          </a:p>
-        </p:txBody>
-      </p:sp>
-      <p:sp>
-        <p:nvSpPr>
-          <p:cNvPr id="167" name="Twitter: oc_rug"/>
+              <a:t>Thanks to our Volunteers!!!</a:t>
+            </a:r>
+          </a:p>
+        </p:txBody>
+      </p:sp>
+      <p:sp>
+        <p:nvSpPr>
+          <p:cNvPr id="170" name="👏"/>
           <p:cNvSpPr txBox="1"/>
           <p:nvPr/>
         </p:nvSpPr>
         <p:spPr>
           <a:xfrm>
-            <a:off x="6421424" y="9053295"/>
-            <a:ext cx="2270152" cy="461060"/>
+            <a:off x="4857750" y="3060700"/>
+            <a:ext cx="3289301" cy="4267201"/>
           </a:xfrm>
           <a:prstGeom prst="rect">
             <a:avLst/>
@@ -3662,25 +3772,79 @@
           <a:bodyPr wrap="none" lIns="50800" tIns="50800" rIns="50800" bIns="50800" anchor="ctr">
             <a:spAutoFit/>
           </a:bodyPr>
+          <a:lstStyle>
+            <a:lvl1pPr>
+              <a:defRPr sz="25000"/>
+            </a:lvl1pPr>
+          </a:lstStyle>
+          <a:p>
+            <a:pPr/>
+            <a:r>
+              <a:t>👏</a:t>
+            </a:r>
+          </a:p>
+        </p:txBody>
+      </p:sp>
+    </p:spTree>
+  </p:cSld>
+  <p:clrMapOvr>
+    <a:masterClrMapping/>
+  </p:clrMapOvr>
+  <p:transition xmlns:p14="http://schemas.microsoft.com/office/powerpoint/2010/main" spd="med" advClick="1"/>
+</p:sld>
+</file>
+
+<file path=ppt/slides/slide14.xml><?xml version="1.0" encoding="utf-8"?>
+<p:sld xmlns:a="http://schemas.openxmlformats.org/drawingml/2006/main" xmlns:r="http://schemas.openxmlformats.org/officeDocument/2006/relationships" xmlns:p="http://schemas.openxmlformats.org/presentationml/2006/main" xmlns:m="http://schemas.openxmlformats.org/officeDocument/2006/math" xmlns:a14="http://schemas.microsoft.com/office/drawing/2010/main" showMasterSp="1" showMasterPhAnim="1">
+  <p:cSld>
+    <p:spTree>
+      <p:nvGrpSpPr>
+        <p:cNvPr id="1" name=""/>
+        <p:cNvGrpSpPr/>
+        <p:nvPr/>
+      </p:nvGrpSpPr>
+      <p:grpSpPr>
+        <a:xfrm>
+          <a:off x="0" y="0"/>
+          <a:ext cx="0" cy="0"/>
+          <a:chOff x="0" y="0"/>
+          <a:chExt cx="0" cy="0"/>
+        </a:xfrm>
+      </p:grpSpPr>
+      <p:sp>
+        <p:nvSpPr>
+          <p:cNvPr id="172" name="Questions?"/>
+          <p:cNvSpPr txBox="1"/>
+          <p:nvPr>
+            <p:ph type="title"/>
+          </p:nvPr>
+        </p:nvSpPr>
+        <p:spPr>
+          <a:prstGeom prst="rect">
+            <a:avLst/>
+          </a:prstGeom>
+        </p:spPr>
+        <p:txBody>
+          <a:bodyPr/>
           <a:lstStyle/>
           <a:p>
             <a:pPr/>
             <a:r>
-              <a:t>Twitter: oc_rug</a:t>
-            </a:r>
-          </a:p>
-        </p:txBody>
-      </p:sp>
-      <p:sp>
-        <p:nvSpPr>
-          <p:cNvPr id="168" name="Tweet about our event!"/>
+              <a:t>Questions?</a:t>
+            </a:r>
+          </a:p>
+        </p:txBody>
+      </p:sp>
+      <p:sp>
+        <p:nvSpPr>
+          <p:cNvPr id="173" name="Twitter: oc_rug"/>
           <p:cNvSpPr txBox="1"/>
           <p:nvPr/>
         </p:nvSpPr>
         <p:spPr>
           <a:xfrm>
-            <a:off x="9232188" y="9053295"/>
-            <a:ext cx="3455824" cy="461060"/>
+            <a:off x="4033824" y="9053295"/>
+            <a:ext cx="2270152" cy="461060"/>
           </a:xfrm>
           <a:prstGeom prst="rect">
             <a:avLst/>
@@ -3698,6 +3862,42 @@
           <a:bodyPr wrap="none" lIns="50800" tIns="50800" rIns="50800" bIns="50800" anchor="ctr">
             <a:spAutoFit/>
           </a:bodyPr>
+          <a:lstStyle/>
+          <a:p>
+            <a:pPr/>
+            <a:r>
+              <a:t>Twitter: oc_rug</a:t>
+            </a:r>
+          </a:p>
+        </p:txBody>
+      </p:sp>
+      <p:sp>
+        <p:nvSpPr>
+          <p:cNvPr id="174" name="Tweet about our event with #OCRUG"/>
+          <p:cNvSpPr txBox="1"/>
+          <p:nvPr/>
+        </p:nvSpPr>
+        <p:spPr>
+          <a:xfrm>
+            <a:off x="6751319" y="9053295"/>
+            <a:ext cx="5471161" cy="461060"/>
+          </a:xfrm>
+          <a:prstGeom prst="rect">
+            <a:avLst/>
+          </a:prstGeom>
+          <a:ln w="12700">
+            <a:miter lim="400000"/>
+          </a:ln>
+          <a:extLst>
+            <a:ext uri="{C572A759-6A51-4108-AA02-DFA0A04FC94B}">
+              <ma14:wrappingTextBoxFlag xmlns:ma14="http://schemas.microsoft.com/office/mac/drawingml/2011/main" val="1"/>
+            </a:ext>
+          </a:extLst>
+        </p:spPr>
+        <p:txBody>
+          <a:bodyPr wrap="none" lIns="50800" tIns="50800" rIns="50800" bIns="50800" anchor="ctr">
+            <a:spAutoFit/>
+          </a:bodyPr>
           <a:lstStyle>
             <a:lvl1pPr>
               <a:defRPr i="1"/>
@@ -3706,7 +3906,7 @@
           <a:p>
             <a:pPr/>
             <a:r>
-              <a:t>Tweet about our event!</a:t>
+              <a:t>Tweet about our event with #OCRUG</a:t>
             </a:r>
           </a:p>
         </p:txBody>
